--- a/卒業論文/2012/久保孝樹/ポスター発表.pptx
+++ b/卒業論文/2012/久保孝樹/ポスター発表.pptx
@@ -194,7 +194,7 @@
             <a:fld id="{EC0EB58C-8A35-458C-95AD-7DF193BD4E4D}" type="datetimeFigureOut">
               <a:rPr kumimoji="1" lang="ja-JP" altLang="en-US" smtClean="0"/>
               <a:pPr/>
-              <a:t>2013/10/9</a:t>
+              <a:t>2013/10/10</a:t>
             </a:fld>
             <a:endParaRPr kumimoji="1" lang="ja-JP" altLang="en-US"/>
           </a:p>
@@ -2572,7 +2572,7 @@
             <a:fld id="{C8142244-99F7-406A-8A26-43C4486D79DC}" type="datetimeFigureOut">
               <a:rPr kumimoji="1" lang="ja-JP" altLang="en-US" smtClean="0"/>
               <a:pPr/>
-              <a:t>2013/10/9</a:t>
+              <a:t>2013/10/10</a:t>
             </a:fld>
             <a:endParaRPr kumimoji="1" lang="ja-JP" altLang="en-US"/>
           </a:p>
@@ -2787,7 +2787,7 @@
             <a:fld id="{C8142244-99F7-406A-8A26-43C4486D79DC}" type="datetimeFigureOut">
               <a:rPr kumimoji="1" lang="ja-JP" altLang="en-US" smtClean="0"/>
               <a:pPr/>
-              <a:t>2013/10/9</a:t>
+              <a:t>2013/10/10</a:t>
             </a:fld>
             <a:endParaRPr kumimoji="1" lang="ja-JP" altLang="en-US"/>
           </a:p>
@@ -2940,7 +2940,7 @@
             <a:fld id="{C8142244-99F7-406A-8A26-43C4486D79DC}" type="datetimeFigureOut">
               <a:rPr kumimoji="1" lang="ja-JP" altLang="en-US" smtClean="0"/>
               <a:pPr/>
-              <a:t>2013/10/9</a:t>
+              <a:t>2013/10/10</a:t>
             </a:fld>
             <a:endParaRPr kumimoji="1" lang="ja-JP" altLang="en-US"/>
           </a:p>
@@ -4832,7 +4832,7 @@
             <a:fld id="{C8142244-99F7-406A-8A26-43C4486D79DC}" type="datetimeFigureOut">
               <a:rPr kumimoji="1" lang="ja-JP" altLang="en-US" smtClean="0"/>
               <a:pPr/>
-              <a:t>2013/10/9</a:t>
+              <a:t>2013/10/10</a:t>
             </a:fld>
             <a:endParaRPr kumimoji="1" lang="ja-JP" altLang="en-US"/>
           </a:p>
@@ -6704,7 +6704,7 @@
             <a:fld id="{C8142244-99F7-406A-8A26-43C4486D79DC}" type="datetimeFigureOut">
               <a:rPr kumimoji="1" lang="ja-JP" altLang="en-US" smtClean="0"/>
               <a:pPr/>
-              <a:t>2013/10/9</a:t>
+              <a:t>2013/10/10</a:t>
             </a:fld>
             <a:endParaRPr kumimoji="1" lang="ja-JP" altLang="en-US"/>
           </a:p>
@@ -6819,7 +6819,7 @@
             <a:fld id="{C8142244-99F7-406A-8A26-43C4486D79DC}" type="datetimeFigureOut">
               <a:rPr kumimoji="1" lang="ja-JP" altLang="en-US" smtClean="0"/>
               <a:pPr/>
-              <a:t>2013/10/9</a:t>
+              <a:t>2013/10/10</a:t>
             </a:fld>
             <a:endParaRPr kumimoji="1" lang="ja-JP" altLang="en-US"/>
           </a:p>
@@ -7490,7 +7490,7 @@
             <a:fld id="{C8142244-99F7-406A-8A26-43C4486D79DC}" type="datetimeFigureOut">
               <a:rPr kumimoji="1" lang="ja-JP" altLang="en-US" smtClean="0"/>
               <a:pPr/>
-              <a:t>2013/10/9</a:t>
+              <a:t>2013/10/10</a:t>
             </a:fld>
             <a:endParaRPr kumimoji="1" lang="ja-JP" altLang="en-US"/>
           </a:p>
@@ -7605,7 +7605,7 @@
             <a:fld id="{C8142244-99F7-406A-8A26-43C4486D79DC}" type="datetimeFigureOut">
               <a:rPr kumimoji="1" lang="ja-JP" altLang="en-US" smtClean="0"/>
               <a:pPr/>
-              <a:t>2013/10/9</a:t>
+              <a:t>2013/10/10</a:t>
             </a:fld>
             <a:endParaRPr kumimoji="1" lang="ja-JP" altLang="en-US"/>
           </a:p>
@@ -9318,7 +9318,7 @@
             <a:fld id="{C8142244-99F7-406A-8A26-43C4486D79DC}" type="datetimeFigureOut">
               <a:rPr kumimoji="1" lang="ja-JP" altLang="en-US" smtClean="0"/>
               <a:pPr/>
-              <a:t>2013/10/9</a:t>
+              <a:t>2013/10/10</a:t>
             </a:fld>
             <a:endParaRPr kumimoji="1" lang="ja-JP" altLang="en-US"/>
           </a:p>
@@ -9471,7 +9471,7 @@
             <a:fld id="{C8142244-99F7-406A-8A26-43C4486D79DC}" type="datetimeFigureOut">
               <a:rPr kumimoji="1" lang="ja-JP" altLang="en-US" smtClean="0"/>
               <a:pPr/>
-              <a:t>2013/10/9</a:t>
+              <a:t>2013/10/10</a:t>
             </a:fld>
             <a:endParaRPr kumimoji="1" lang="ja-JP" altLang="en-US"/>
           </a:p>
@@ -13120,7 +13120,7 @@
             <a:fld id="{C8142244-99F7-406A-8A26-43C4486D79DC}" type="datetimeFigureOut">
               <a:rPr kumimoji="1" lang="ja-JP" altLang="en-US" smtClean="0"/>
               <a:pPr/>
-              <a:t>2013/10/9</a:t>
+              <a:t>2013/10/10</a:t>
             </a:fld>
             <a:endParaRPr kumimoji="1" lang="ja-JP" altLang="en-US"/>
           </a:p>
@@ -14981,7 +14981,7 @@
             <a:fld id="{C8142244-99F7-406A-8A26-43C4486D79DC}" type="datetimeFigureOut">
               <a:rPr kumimoji="1" lang="ja-JP" altLang="en-US" smtClean="0"/>
               <a:pPr/>
-              <a:t>2013/10/9</a:t>
+              <a:t>2013/10/10</a:t>
             </a:fld>
             <a:endParaRPr kumimoji="1" lang="ja-JP" altLang="en-US"/>
           </a:p>
@@ -16850,7 +16850,7 @@
                 <a:r>
                   <a:rPr kumimoji="1" lang="ja-JP" altLang="en-US" sz="4800" dirty="0" smtClean="0">
                     <a:solidFill>
-                      <a:srgbClr val="FF0000"/>
+                      <a:schemeClr val="tx1"/>
                     </a:solidFill>
                     <a:latin typeface="HGPｺﾞｼｯｸE" pitchFamily="50" charset="-128"/>
                     <a:ea typeface="HGPｺﾞｼｯｸE" pitchFamily="50" charset="-128"/>
@@ -16859,7 +16859,7 @@
                 </a:r>
                 <a:endParaRPr kumimoji="1" lang="ja-JP" altLang="en-US" sz="4800" dirty="0">
                   <a:solidFill>
-                    <a:srgbClr val="FF0000"/>
+                    <a:schemeClr val="tx1"/>
                   </a:solidFill>
                   <a:latin typeface="HGPｺﾞｼｯｸE" pitchFamily="50" charset="-128"/>
                   <a:ea typeface="HGPｺﾞｼｯｸE" pitchFamily="50" charset="-128"/>
